--- a/Intro/Angular-2 Training.pptx
+++ b/Intro/Angular-2 Training.pptx
@@ -2538,7 +2538,7 @@
         <a:p>
           <a:r>
             <a:rPr lang="en-US" dirty="0" smtClean="0"/>
-            <a:t>Sesha Reddy</a:t>
+            <a:t>Krishna Ravalli</a:t>
           </a:r>
           <a:endParaRPr lang="en-US" dirty="0"/>
         </a:p>
@@ -2575,7 +2575,7 @@
         <a:p>
           <a:r>
             <a:rPr lang="en-US" dirty="0" smtClean="0"/>
-            <a:t>Bhavana</a:t>
+            <a:t>Chinnappa Reddy</a:t>
           </a:r>
           <a:endParaRPr lang="en-US" dirty="0"/>
         </a:p>
@@ -2611,8 +2611,8 @@
         <a:lstStyle/>
         <a:p>
           <a:r>
-            <a:rPr lang="en-US" dirty="0" smtClean="0"/>
-            <a:t>Snigdha</a:t>
+            <a:rPr lang="en-US" dirty="0" err="1" smtClean="0"/>
+            <a:t>Racharlaprem</a:t>
           </a:r>
           <a:endParaRPr lang="en-US" dirty="0"/>
         </a:p>
@@ -3812,7 +3812,7 @@
           </a:pPr>
           <a:r>
             <a:rPr lang="en-US" sz="2800" kern="1200" dirty="0" smtClean="0"/>
-            <a:t>Sesha Reddy</a:t>
+            <a:t>Krishna Ravalli</a:t>
           </a:r>
           <a:endParaRPr lang="en-US" sz="2800" kern="1200" dirty="0"/>
         </a:p>
@@ -3935,7 +3935,7 @@
           </a:pPr>
           <a:r>
             <a:rPr lang="en-US" sz="2800" kern="1200" dirty="0" smtClean="0"/>
-            <a:t>Bhavana</a:t>
+            <a:t>Chinnappa Reddy</a:t>
           </a:r>
           <a:endParaRPr lang="en-US" sz="2800" kern="1200" dirty="0"/>
         </a:p>
@@ -4057,8 +4057,8 @@
             </a:spcAft>
           </a:pPr>
           <a:r>
-            <a:rPr lang="en-US" sz="2800" kern="1200" dirty="0" smtClean="0"/>
-            <a:t>Snigdha</a:t>
+            <a:rPr lang="en-US" sz="2800" kern="1200" dirty="0" err="1" smtClean="0"/>
+            <a:t>Racharlaprem</a:t>
           </a:r>
           <a:endParaRPr lang="en-US" sz="2800" kern="1200" dirty="0"/>
         </a:p>
@@ -7869,7 +7869,7 @@
           <a:p>
             <a:fld id="{1243870C-0B97-43C4-90F1-7E3B9234B80D}" type="datetimeFigureOut">
               <a:rPr lang="en-IN" smtClean="0"/>
-              <a:t>14-05-2017</a:t>
+              <a:t>03-06-2017</a:t>
             </a:fld>
             <a:endParaRPr lang="en-IN" dirty="0"/>
           </a:p>
@@ -8181,7 +8181,7 @@
           <a:p>
             <a:fld id="{1243870C-0B97-43C4-90F1-7E3B9234B80D}" type="datetimeFigureOut">
               <a:rPr lang="en-IN" smtClean="0"/>
-              <a:t>14-05-2017</a:t>
+              <a:t>03-06-2017</a:t>
             </a:fld>
             <a:endParaRPr lang="en-IN" dirty="0"/>
           </a:p>
@@ -8403,7 +8403,7 @@
           <a:p>
             <a:fld id="{1243870C-0B97-43C4-90F1-7E3B9234B80D}" type="datetimeFigureOut">
               <a:rPr lang="en-IN" smtClean="0"/>
-              <a:t>14-05-2017</a:t>
+              <a:t>03-06-2017</a:t>
             </a:fld>
             <a:endParaRPr lang="en-IN" dirty="0"/>
           </a:p>
@@ -8694,7 +8694,7 @@
           <a:p>
             <a:fld id="{1243870C-0B97-43C4-90F1-7E3B9234B80D}" type="datetimeFigureOut">
               <a:rPr lang="en-IN" smtClean="0"/>
-              <a:t>14-05-2017</a:t>
+              <a:t>03-06-2017</a:t>
             </a:fld>
             <a:endParaRPr lang="en-IN" dirty="0"/>
           </a:p>
@@ -9148,7 +9148,7 @@
           <a:p>
             <a:fld id="{1243870C-0B97-43C4-90F1-7E3B9234B80D}" type="datetimeFigureOut">
               <a:rPr lang="en-IN" smtClean="0"/>
-              <a:t>14-05-2017</a:t>
+              <a:t>03-06-2017</a:t>
             </a:fld>
             <a:endParaRPr lang="en-IN" dirty="0"/>
           </a:p>
@@ -9724,7 +9724,7 @@
           <a:p>
             <a:fld id="{1243870C-0B97-43C4-90F1-7E3B9234B80D}" type="datetimeFigureOut">
               <a:rPr lang="en-IN" smtClean="0"/>
-              <a:t>14-05-2017</a:t>
+              <a:t>03-06-2017</a:t>
             </a:fld>
             <a:endParaRPr lang="en-IN" dirty="0"/>
           </a:p>
@@ -10576,7 +10576,7 @@
           <a:p>
             <a:fld id="{1243870C-0B97-43C4-90F1-7E3B9234B80D}" type="datetimeFigureOut">
               <a:rPr lang="en-IN" smtClean="0"/>
-              <a:t>14-05-2017</a:t>
+              <a:t>03-06-2017</a:t>
             </a:fld>
             <a:endParaRPr lang="en-IN" dirty="0"/>
           </a:p>
@@ -10781,7 +10781,7 @@
           <a:p>
             <a:fld id="{1243870C-0B97-43C4-90F1-7E3B9234B80D}" type="datetimeFigureOut">
               <a:rPr lang="en-IN" smtClean="0"/>
-              <a:t>14-05-2017</a:t>
+              <a:t>03-06-2017</a:t>
             </a:fld>
             <a:endParaRPr lang="en-IN" dirty="0"/>
           </a:p>
@@ -10995,7 +10995,7 @@
           <a:p>
             <a:fld id="{1243870C-0B97-43C4-90F1-7E3B9234B80D}" type="datetimeFigureOut">
               <a:rPr lang="en-IN" smtClean="0"/>
-              <a:t>14-05-2017</a:t>
+              <a:t>03-06-2017</a:t>
             </a:fld>
             <a:endParaRPr lang="en-IN" dirty="0"/>
           </a:p>
@@ -11200,7 +11200,7 @@
           <a:p>
             <a:fld id="{1243870C-0B97-43C4-90F1-7E3B9234B80D}" type="datetimeFigureOut">
               <a:rPr lang="en-IN" smtClean="0"/>
-              <a:t>14-05-2017</a:t>
+              <a:t>03-06-2017</a:t>
             </a:fld>
             <a:endParaRPr lang="en-IN" dirty="0"/>
           </a:p>
@@ -11480,7 +11480,7 @@
           <a:p>
             <a:fld id="{1243870C-0B97-43C4-90F1-7E3B9234B80D}" type="datetimeFigureOut">
               <a:rPr lang="en-IN" smtClean="0"/>
-              <a:t>14-05-2017</a:t>
+              <a:t>03-06-2017</a:t>
             </a:fld>
             <a:endParaRPr lang="en-IN" dirty="0"/>
           </a:p>
@@ -11747,7 +11747,7 @@
           <a:p>
             <a:fld id="{1243870C-0B97-43C4-90F1-7E3B9234B80D}" type="datetimeFigureOut">
               <a:rPr lang="en-IN" smtClean="0"/>
-              <a:t>14-05-2017</a:t>
+              <a:t>03-06-2017</a:t>
             </a:fld>
             <a:endParaRPr lang="en-IN" dirty="0"/>
           </a:p>
@@ -12162,7 +12162,7 @@
           <a:p>
             <a:fld id="{1243870C-0B97-43C4-90F1-7E3B9234B80D}" type="datetimeFigureOut">
               <a:rPr lang="en-IN" smtClean="0"/>
-              <a:t>14-05-2017</a:t>
+              <a:t>03-06-2017</a:t>
             </a:fld>
             <a:endParaRPr lang="en-IN" dirty="0"/>
           </a:p>
@@ -12310,7 +12310,7 @@
           <a:p>
             <a:fld id="{1243870C-0B97-43C4-90F1-7E3B9234B80D}" type="datetimeFigureOut">
               <a:rPr lang="en-IN" smtClean="0"/>
-              <a:t>14-05-2017</a:t>
+              <a:t>03-06-2017</a:t>
             </a:fld>
             <a:endParaRPr lang="en-IN" dirty="0"/>
           </a:p>
@@ -12435,7 +12435,7 @@
           <a:p>
             <a:fld id="{1243870C-0B97-43C4-90F1-7E3B9234B80D}" type="datetimeFigureOut">
               <a:rPr lang="en-IN" smtClean="0"/>
-              <a:t>14-05-2017</a:t>
+              <a:t>03-06-2017</a:t>
             </a:fld>
             <a:endParaRPr lang="en-IN" dirty="0"/>
           </a:p>
@@ -12714,7 +12714,7 @@
           <a:p>
             <a:fld id="{1243870C-0B97-43C4-90F1-7E3B9234B80D}" type="datetimeFigureOut">
               <a:rPr lang="en-IN" smtClean="0"/>
-              <a:t>14-05-2017</a:t>
+              <a:t>03-06-2017</a:t>
             </a:fld>
             <a:endParaRPr lang="en-IN" dirty="0"/>
           </a:p>
@@ -13026,7 +13026,7 @@
           <a:p>
             <a:fld id="{1243870C-0B97-43C4-90F1-7E3B9234B80D}" type="datetimeFigureOut">
               <a:rPr lang="en-IN" smtClean="0"/>
-              <a:t>14-05-2017</a:t>
+              <a:t>03-06-2017</a:t>
             </a:fld>
             <a:endParaRPr lang="en-IN" dirty="0"/>
           </a:p>
@@ -13279,7 +13279,7 @@
           <a:p>
             <a:fld id="{1243870C-0B97-43C4-90F1-7E3B9234B80D}" type="datetimeFigureOut">
               <a:rPr lang="en-IN" smtClean="0"/>
-              <a:t>14-05-2017</a:t>
+              <a:t>03-06-2017</a:t>
             </a:fld>
             <a:endParaRPr lang="en-IN" dirty="0"/>
           </a:p>
@@ -21260,8 +21260,12 @@
               <a:t>	– </a:t>
             </a:r>
             <a:r>
+              <a:rPr lang="en-IN" sz="2000" dirty="0" smtClean="0"/>
+              <a:t>6:00 </a:t>
+            </a:r>
+            <a:r>
               <a:rPr lang="en-IN" sz="2000" dirty="0"/>
-              <a:t>6:30 PM </a:t>
+              <a:t>PM </a:t>
             </a:r>
             <a:r>
               <a:rPr lang="en-IN" sz="1600" dirty="0"/>
@@ -21277,26 +21281,22 @@
             <a:pPr lvl="1"/>
             <a:r>
               <a:rPr lang="en-IN" sz="2000" dirty="0" smtClean="0"/>
-              <a:t>Sunday </a:t>
+              <a:t>Sunday 		– </a:t>
             </a:r>
             <a:r>
               <a:rPr lang="en-IN" sz="2000" dirty="0" smtClean="0"/>
-              <a:t>		– </a:t>
+              <a:t>6:00 </a:t>
             </a:r>
             <a:r>
               <a:rPr lang="en-IN" sz="2000" dirty="0"/>
-              <a:t>6:30 PM </a:t>
+              <a:t>PM </a:t>
             </a:r>
             <a:r>
               <a:rPr lang="en-IN" sz="1600" dirty="0"/>
-              <a:t>(</a:t>
+              <a:t>(IST</a:t>
             </a:r>
             <a:r>
-              <a:rPr lang="en-IN" sz="1600"/>
-              <a:t>IST</a:t>
-            </a:r>
-            <a:r>
-              <a:rPr lang="en-IN" sz="1600" smtClean="0"/>
+              <a:rPr lang="en-IN" sz="1600" dirty="0" smtClean="0"/>
               <a:t>)</a:t>
             </a:r>
             <a:endParaRPr lang="en-IN" sz="1800" dirty="0" smtClean="0"/>
@@ -21814,7 +21814,7 @@
             <p:ph sz="quarter" idx="13"/>
             <p:extLst>
               <p:ext uri="{D42A27DB-BD31-4B8C-83A1-F6EECF244321}">
-                <p14:modId xmlns:p14="http://schemas.microsoft.com/office/powerpoint/2010/main" val="1181824908"/>
+                <p14:modId xmlns:p14="http://schemas.microsoft.com/office/powerpoint/2010/main" val="2375186134"/>
               </p:ext>
             </p:extLst>
           </p:nvPr>
